--- a/介面.pptx
+++ b/介面.pptx
@@ -219,7 +219,7 @@
           <a:p>
             <a:fld id="{4C8CD385-DF20-4DAF-8E56-832193D99297}" type="datetimeFigureOut">
               <a:rPr lang="zh-TW" altLang="en-US" smtClean="0"/>
-              <a:t>2020/08/20</a:t>
+              <a:t>2020/08/23</a:t>
             </a:fld>
             <a:endParaRPr lang="zh-TW" altLang="en-US"/>
           </a:p>
@@ -1025,7 +1025,7 @@
           <a:p>
             <a:fld id="{3F1169B5-0FF2-4C98-8757-8DBF4E03E30D}" type="datetimeFigureOut">
               <a:rPr lang="zh-TW" altLang="en-US" smtClean="0"/>
-              <a:t>2020/08/20</a:t>
+              <a:t>2020/08/23</a:t>
             </a:fld>
             <a:endParaRPr lang="zh-TW" altLang="en-US"/>
           </a:p>
@@ -1223,7 +1223,7 @@
           <a:p>
             <a:fld id="{3F1169B5-0FF2-4C98-8757-8DBF4E03E30D}" type="datetimeFigureOut">
               <a:rPr lang="zh-TW" altLang="en-US" smtClean="0"/>
-              <a:t>2020/08/20</a:t>
+              <a:t>2020/08/23</a:t>
             </a:fld>
             <a:endParaRPr lang="zh-TW" altLang="en-US"/>
           </a:p>
@@ -1431,7 +1431,7 @@
           <a:p>
             <a:fld id="{3F1169B5-0FF2-4C98-8757-8DBF4E03E30D}" type="datetimeFigureOut">
               <a:rPr lang="zh-TW" altLang="en-US" smtClean="0"/>
-              <a:t>2020/08/20</a:t>
+              <a:t>2020/08/23</a:t>
             </a:fld>
             <a:endParaRPr lang="zh-TW" altLang="en-US"/>
           </a:p>
@@ -1629,7 +1629,7 @@
           <a:p>
             <a:fld id="{3F1169B5-0FF2-4C98-8757-8DBF4E03E30D}" type="datetimeFigureOut">
               <a:rPr lang="zh-TW" altLang="en-US" smtClean="0"/>
-              <a:t>2020/08/20</a:t>
+              <a:t>2020/08/23</a:t>
             </a:fld>
             <a:endParaRPr lang="zh-TW" altLang="en-US"/>
           </a:p>
@@ -1904,7 +1904,7 @@
           <a:p>
             <a:fld id="{3F1169B5-0FF2-4C98-8757-8DBF4E03E30D}" type="datetimeFigureOut">
               <a:rPr lang="zh-TW" altLang="en-US" smtClean="0"/>
-              <a:t>2020/08/20</a:t>
+              <a:t>2020/08/23</a:t>
             </a:fld>
             <a:endParaRPr lang="zh-TW" altLang="en-US"/>
           </a:p>
@@ -2169,7 +2169,7 @@
           <a:p>
             <a:fld id="{3F1169B5-0FF2-4C98-8757-8DBF4E03E30D}" type="datetimeFigureOut">
               <a:rPr lang="zh-TW" altLang="en-US" smtClean="0"/>
-              <a:t>2020/08/20</a:t>
+              <a:t>2020/08/23</a:t>
             </a:fld>
             <a:endParaRPr lang="zh-TW" altLang="en-US"/>
           </a:p>
@@ -2581,7 +2581,7 @@
           <a:p>
             <a:fld id="{3F1169B5-0FF2-4C98-8757-8DBF4E03E30D}" type="datetimeFigureOut">
               <a:rPr lang="zh-TW" altLang="en-US" smtClean="0"/>
-              <a:t>2020/08/20</a:t>
+              <a:t>2020/08/23</a:t>
             </a:fld>
             <a:endParaRPr lang="zh-TW" altLang="en-US"/>
           </a:p>
@@ -2722,7 +2722,7 @@
           <a:p>
             <a:fld id="{3F1169B5-0FF2-4C98-8757-8DBF4E03E30D}" type="datetimeFigureOut">
               <a:rPr lang="zh-TW" altLang="en-US" smtClean="0"/>
-              <a:t>2020/08/20</a:t>
+              <a:t>2020/08/23</a:t>
             </a:fld>
             <a:endParaRPr lang="zh-TW" altLang="en-US"/>
           </a:p>
@@ -2835,7 +2835,7 @@
           <a:p>
             <a:fld id="{3F1169B5-0FF2-4C98-8757-8DBF4E03E30D}" type="datetimeFigureOut">
               <a:rPr lang="zh-TW" altLang="en-US" smtClean="0"/>
-              <a:t>2020/08/20</a:t>
+              <a:t>2020/08/23</a:t>
             </a:fld>
             <a:endParaRPr lang="zh-TW" altLang="en-US"/>
           </a:p>
@@ -3146,7 +3146,7 @@
           <a:p>
             <a:fld id="{3F1169B5-0FF2-4C98-8757-8DBF4E03E30D}" type="datetimeFigureOut">
               <a:rPr lang="zh-TW" altLang="en-US" smtClean="0"/>
-              <a:t>2020/08/20</a:t>
+              <a:t>2020/08/23</a:t>
             </a:fld>
             <a:endParaRPr lang="zh-TW" altLang="en-US"/>
           </a:p>
@@ -3434,7 +3434,7 @@
           <a:p>
             <a:fld id="{3F1169B5-0FF2-4C98-8757-8DBF4E03E30D}" type="datetimeFigureOut">
               <a:rPr lang="zh-TW" altLang="en-US" smtClean="0"/>
-              <a:t>2020/08/20</a:t>
+              <a:t>2020/08/23</a:t>
             </a:fld>
             <a:endParaRPr lang="zh-TW" altLang="en-US"/>
           </a:p>
@@ -3675,7 +3675,7 @@
           <a:p>
             <a:fld id="{3F1169B5-0FF2-4C98-8757-8DBF4E03E30D}" type="datetimeFigureOut">
               <a:rPr lang="zh-TW" altLang="en-US" smtClean="0"/>
-              <a:t>2020/08/20</a:t>
+              <a:t>2020/08/23</a:t>
             </a:fld>
             <a:endParaRPr lang="zh-TW" altLang="en-US"/>
           </a:p>
@@ -5299,10 +5299,10 @@
       </p:grpSp>
       <p:grpSp>
         <p:nvGrpSpPr>
-          <p:cNvPr id="23" name="群組 22">
+          <p:cNvPr id="25" name="群組 24">
             <a:extLst>
               <a:ext uri="{FF2B5EF4-FFF2-40B4-BE49-F238E27FC236}">
-                <a16:creationId xmlns:a16="http://schemas.microsoft.com/office/drawing/2014/main" id="{91C7686B-8EEA-44DD-B171-061D1D84F239}"/>
+                <a16:creationId xmlns:a16="http://schemas.microsoft.com/office/drawing/2014/main" id="{6B79E7A2-FC8C-4BEB-892B-BE3FCA866DA6}"/>
               </a:ext>
             </a:extLst>
           </p:cNvPr>
@@ -5311,18 +5311,18 @@
         </p:nvGrpSpPr>
         <p:grpSpPr>
           <a:xfrm>
-            <a:off x="6883889" y="1471094"/>
-            <a:ext cx="3621551" cy="2216254"/>
-            <a:chOff x="6883889" y="1740577"/>
-            <a:chExt cx="3621551" cy="2216254"/>
+            <a:off x="6883888" y="1631234"/>
+            <a:ext cx="3621551" cy="2056114"/>
+            <a:chOff x="6883888" y="1900717"/>
+            <a:chExt cx="3621551" cy="2056114"/>
           </a:xfrm>
         </p:grpSpPr>
         <p:sp>
           <p:nvSpPr>
-            <p:cNvPr id="24" name="文字方塊 23">
+            <p:cNvPr id="26" name="文字方塊 25">
               <a:extLst>
                 <a:ext uri="{FF2B5EF4-FFF2-40B4-BE49-F238E27FC236}">
-                  <a16:creationId xmlns:a16="http://schemas.microsoft.com/office/drawing/2014/main" id="{DD90F884-E4A0-41A8-ADC8-C5372FCA0D16}"/>
+                  <a16:creationId xmlns:a16="http://schemas.microsoft.com/office/drawing/2014/main" id="{2ABB0966-E877-4F3C-9F7D-C8025BA76419}"/>
                 </a:ext>
               </a:extLst>
             </p:cNvPr>
@@ -5331,8 +5331,8 @@
           </p:nvSpPr>
           <p:spPr>
             <a:xfrm>
-              <a:off x="6883889" y="1740577"/>
-              <a:ext cx="3621551" cy="1607107"/>
+              <a:off x="6883888" y="1900717"/>
+              <a:ext cx="3621551" cy="1090042"/>
             </a:xfrm>
             <a:prstGeom prst="rect">
               <a:avLst/>
@@ -5351,22 +5351,8 @@
                 </a:lnSpc>
               </a:pPr>
               <a:r>
-                <a:rPr lang="zh-CN" altLang="en-US" sz="2800" spc="100" dirty="0">
-                  <a:ea typeface="新細明體" panose="02020500000000000000" pitchFamily="18" charset="-120"/>
-                </a:rPr>
-                <a:t>調整格子内的數值使得它的價值相等於</a:t>
-              </a:r>
-              <a:r>
-                <a:rPr lang="zh-TW" altLang="en-US" sz="2800" spc="100" dirty="0">
-                  <a:ea typeface="新細明體" panose="02020500000000000000" pitchFamily="18" charset="-120"/>
-                </a:rPr>
-                <a:t>左邊的</a:t>
-              </a:r>
-              <a:r>
-                <a:rPr lang="en-US" altLang="zh-TW" sz="2800" spc="100" dirty="0">
-                  <a:ea typeface="新細明體" panose="02020500000000000000" pitchFamily="18" charset="-120"/>
-                </a:rPr>
-                <a:t>Lottery</a:t>
+                <a:rPr lang="zh-TW" altLang="en-US" sz="2800" spc="100" dirty="0"/>
+                <a:t>調整格子內的數值使得兩邊價值相等</a:t>
               </a:r>
               <a:r>
                 <a:rPr lang="zh-CN" altLang="en-US" sz="2800" spc="100" dirty="0">
@@ -5382,10 +5368,10 @@
         </p:sp>
         <p:sp>
           <p:nvSpPr>
-            <p:cNvPr id="28" name="矩形 27">
+            <p:cNvPr id="27" name="矩形 26">
               <a:extLst>
                 <a:ext uri="{FF2B5EF4-FFF2-40B4-BE49-F238E27FC236}">
-                  <a16:creationId xmlns:a16="http://schemas.microsoft.com/office/drawing/2014/main" id="{934F7576-5DFA-4DD4-86D4-A1B60D645423}"/>
+                  <a16:creationId xmlns:a16="http://schemas.microsoft.com/office/drawing/2014/main" id="{0211CACE-57E1-4199-9189-CE1B28F9993B}"/>
                 </a:ext>
               </a:extLst>
             </p:cNvPr>
@@ -5898,10 +5884,10 @@
       </p:grpSp>
       <p:grpSp>
         <p:nvGrpSpPr>
-          <p:cNvPr id="23" name="群組 22">
+          <p:cNvPr id="25" name="群組 24">
             <a:extLst>
               <a:ext uri="{FF2B5EF4-FFF2-40B4-BE49-F238E27FC236}">
-                <a16:creationId xmlns:a16="http://schemas.microsoft.com/office/drawing/2014/main" id="{1478EADC-3C4D-40BA-AADE-1168B8761991}"/>
+                <a16:creationId xmlns:a16="http://schemas.microsoft.com/office/drawing/2014/main" id="{01AAD4EE-C1C6-46A4-BD80-49B2886D5032}"/>
               </a:ext>
             </a:extLst>
           </p:cNvPr>
@@ -5910,18 +5896,18 @@
         </p:nvGrpSpPr>
         <p:grpSpPr>
           <a:xfrm>
-            <a:off x="6883889" y="1471094"/>
-            <a:ext cx="3621551" cy="2216254"/>
-            <a:chOff x="6883889" y="1740577"/>
-            <a:chExt cx="3621551" cy="2216254"/>
+            <a:off x="6883888" y="1631234"/>
+            <a:ext cx="3621551" cy="2056114"/>
+            <a:chOff x="6883888" y="1900717"/>
+            <a:chExt cx="3621551" cy="2056114"/>
           </a:xfrm>
         </p:grpSpPr>
         <p:sp>
           <p:nvSpPr>
-            <p:cNvPr id="24" name="文字方塊 23">
+            <p:cNvPr id="26" name="文字方塊 25">
               <a:extLst>
                 <a:ext uri="{FF2B5EF4-FFF2-40B4-BE49-F238E27FC236}">
-                  <a16:creationId xmlns:a16="http://schemas.microsoft.com/office/drawing/2014/main" id="{2F8F4835-3E44-4223-9D19-8724E779E13C}"/>
+                  <a16:creationId xmlns:a16="http://schemas.microsoft.com/office/drawing/2014/main" id="{1B57BFD2-EE85-47B0-83CD-49B5E95D41ED}"/>
                 </a:ext>
               </a:extLst>
             </p:cNvPr>
@@ -5930,8 +5916,8 @@
           </p:nvSpPr>
           <p:spPr>
             <a:xfrm>
-              <a:off x="6883889" y="1740577"/>
-              <a:ext cx="3621551" cy="1607107"/>
+              <a:off x="6883888" y="1900717"/>
+              <a:ext cx="3621551" cy="1090042"/>
             </a:xfrm>
             <a:prstGeom prst="rect">
               <a:avLst/>
@@ -5950,22 +5936,8 @@
                 </a:lnSpc>
               </a:pPr>
               <a:r>
-                <a:rPr lang="zh-CN" altLang="en-US" sz="2800" spc="100" dirty="0">
-                  <a:ea typeface="新細明體" panose="02020500000000000000" pitchFamily="18" charset="-120"/>
-                </a:rPr>
-                <a:t>調整格子内的數值使得它的價值相等於</a:t>
-              </a:r>
-              <a:r>
-                <a:rPr lang="zh-TW" altLang="en-US" sz="2800" spc="100" dirty="0">
-                  <a:ea typeface="新細明體" panose="02020500000000000000" pitchFamily="18" charset="-120"/>
-                </a:rPr>
-                <a:t>左邊的</a:t>
-              </a:r>
-              <a:r>
-                <a:rPr lang="en-US" altLang="zh-TW" sz="2800" spc="100" dirty="0">
-                  <a:ea typeface="新細明體" panose="02020500000000000000" pitchFamily="18" charset="-120"/>
-                </a:rPr>
-                <a:t>Lottery</a:t>
+                <a:rPr lang="zh-TW" altLang="en-US" sz="2800" spc="100" dirty="0"/>
+                <a:t>調整格子內的數值使得兩邊價值相等</a:t>
               </a:r>
               <a:r>
                 <a:rPr lang="zh-CN" altLang="en-US" sz="2800" spc="100" dirty="0">
@@ -5981,10 +5953,10 @@
         </p:sp>
         <p:sp>
           <p:nvSpPr>
-            <p:cNvPr id="28" name="矩形 27">
+            <p:cNvPr id="27" name="矩形 26">
               <a:extLst>
                 <a:ext uri="{FF2B5EF4-FFF2-40B4-BE49-F238E27FC236}">
-                  <a16:creationId xmlns:a16="http://schemas.microsoft.com/office/drawing/2014/main" id="{6FCC4445-8165-41C4-86B0-3BC486055674}"/>
+                  <a16:creationId xmlns:a16="http://schemas.microsoft.com/office/drawing/2014/main" id="{D22F42B0-8290-450C-9B75-2D83ACE7FB42}"/>
                 </a:ext>
               </a:extLst>
             </p:cNvPr>
@@ -6048,7 +6020,7 @@
 </file>
 
 <file path=ppt/slides/slide12.xml><?xml version="1.0" encoding="utf-8"?>
-<p:sld xmlns:a="http://schemas.openxmlformats.org/drawingml/2006/main" xmlns:r="http://schemas.openxmlformats.org/officeDocument/2006/relationships" xmlns:p="http://schemas.openxmlformats.org/presentationml/2006/main">
+<p:sld xmlns:a="http://schemas.openxmlformats.org/drawingml/2006/main" xmlns:r="http://schemas.openxmlformats.org/officeDocument/2006/relationships" xmlns:p="http://schemas.openxmlformats.org/presentationml/2006/main" show="0">
   <p:cSld>
     <p:bg>
       <p:bgPr>
@@ -6684,10 +6656,10 @@
         </p:nvGrpSpPr>
         <p:grpSpPr>
           <a:xfrm>
-            <a:off x="6883889" y="1471094"/>
-            <a:ext cx="3621551" cy="2216254"/>
-            <a:chOff x="6883889" y="1740577"/>
-            <a:chExt cx="3621551" cy="2216254"/>
+            <a:off x="6883888" y="1631234"/>
+            <a:ext cx="3621551" cy="2056114"/>
+            <a:chOff x="6883888" y="1900717"/>
+            <a:chExt cx="3621551" cy="2056114"/>
           </a:xfrm>
         </p:grpSpPr>
         <p:sp>
@@ -6704,8 +6676,8 @@
           </p:nvSpPr>
           <p:spPr>
             <a:xfrm>
-              <a:off x="6883889" y="1740577"/>
-              <a:ext cx="3621551" cy="1607107"/>
+              <a:off x="6883888" y="1900717"/>
+              <a:ext cx="3621551" cy="1090042"/>
             </a:xfrm>
             <a:prstGeom prst="rect">
               <a:avLst/>
@@ -6724,22 +6696,8 @@
                 </a:lnSpc>
               </a:pPr>
               <a:r>
-                <a:rPr lang="zh-CN" altLang="en-US" sz="2800" spc="100" dirty="0">
-                  <a:ea typeface="新細明體" panose="02020500000000000000" pitchFamily="18" charset="-120"/>
-                </a:rPr>
-                <a:t>調整格子内的數值使得它的價值相等於</a:t>
-              </a:r>
-              <a:r>
-                <a:rPr lang="zh-TW" altLang="en-US" sz="2800" spc="100" dirty="0">
-                  <a:ea typeface="新細明體" panose="02020500000000000000" pitchFamily="18" charset="-120"/>
-                </a:rPr>
-                <a:t>左邊的</a:t>
-              </a:r>
-              <a:r>
-                <a:rPr lang="en-US" altLang="zh-TW" sz="2800" spc="100" dirty="0">
-                  <a:ea typeface="新細明體" panose="02020500000000000000" pitchFamily="18" charset="-120"/>
-                </a:rPr>
-                <a:t>Lottery</a:t>
+                <a:rPr lang="zh-TW" altLang="en-US" sz="2800" spc="100" dirty="0"/>
+                <a:t>調整格子內的數值使得兩邊價值相等</a:t>
               </a:r>
               <a:r>
                 <a:rPr lang="zh-CN" altLang="en-US" sz="2800" spc="100" dirty="0">
@@ -7276,10 +7234,10 @@
       </p:grpSp>
       <p:grpSp>
         <p:nvGrpSpPr>
-          <p:cNvPr id="23" name="群組 22">
+          <p:cNvPr id="25" name="群組 24">
             <a:extLst>
               <a:ext uri="{FF2B5EF4-FFF2-40B4-BE49-F238E27FC236}">
-                <a16:creationId xmlns:a16="http://schemas.microsoft.com/office/drawing/2014/main" id="{6335DD3D-0F10-49BD-B062-F61F4DE385FD}"/>
+                <a16:creationId xmlns:a16="http://schemas.microsoft.com/office/drawing/2014/main" id="{39A44FBA-C8A9-42BB-9E9C-7213776E6E0D}"/>
               </a:ext>
             </a:extLst>
           </p:cNvPr>
@@ -7288,18 +7246,18 @@
         </p:nvGrpSpPr>
         <p:grpSpPr>
           <a:xfrm>
-            <a:off x="6883889" y="1471094"/>
-            <a:ext cx="3621551" cy="2216254"/>
-            <a:chOff x="6883889" y="1740577"/>
-            <a:chExt cx="3621551" cy="2216254"/>
+            <a:off x="6883888" y="1631234"/>
+            <a:ext cx="3621551" cy="2056114"/>
+            <a:chOff x="6883888" y="1900717"/>
+            <a:chExt cx="3621551" cy="2056114"/>
           </a:xfrm>
         </p:grpSpPr>
         <p:sp>
           <p:nvSpPr>
-            <p:cNvPr id="24" name="文字方塊 23">
+            <p:cNvPr id="26" name="文字方塊 25">
               <a:extLst>
                 <a:ext uri="{FF2B5EF4-FFF2-40B4-BE49-F238E27FC236}">
-                  <a16:creationId xmlns:a16="http://schemas.microsoft.com/office/drawing/2014/main" id="{99E9F104-6CAC-48B5-9200-722920FEE858}"/>
+                  <a16:creationId xmlns:a16="http://schemas.microsoft.com/office/drawing/2014/main" id="{B23B5543-7BC2-4B90-818A-258C50960B7D}"/>
                 </a:ext>
               </a:extLst>
             </p:cNvPr>
@@ -7308,8 +7266,8 @@
           </p:nvSpPr>
           <p:spPr>
             <a:xfrm>
-              <a:off x="6883889" y="1740577"/>
-              <a:ext cx="3621551" cy="1607107"/>
+              <a:off x="6883888" y="1900717"/>
+              <a:ext cx="3621551" cy="1090042"/>
             </a:xfrm>
             <a:prstGeom prst="rect">
               <a:avLst/>
@@ -7328,22 +7286,8 @@
                 </a:lnSpc>
               </a:pPr>
               <a:r>
-                <a:rPr lang="zh-CN" altLang="en-US" sz="2800" spc="100" dirty="0">
-                  <a:ea typeface="新細明體" panose="02020500000000000000" pitchFamily="18" charset="-120"/>
-                </a:rPr>
-                <a:t>調整格子内的數值使得它的價值相等於</a:t>
-              </a:r>
-              <a:r>
-                <a:rPr lang="zh-TW" altLang="en-US" sz="2800" spc="100" dirty="0">
-                  <a:ea typeface="新細明體" panose="02020500000000000000" pitchFamily="18" charset="-120"/>
-                </a:rPr>
-                <a:t>左邊的</a:t>
-              </a:r>
-              <a:r>
-                <a:rPr lang="en-US" altLang="zh-TW" sz="2800" spc="100" dirty="0">
-                  <a:ea typeface="新細明體" panose="02020500000000000000" pitchFamily="18" charset="-120"/>
-                </a:rPr>
-                <a:t>Lottery</a:t>
+                <a:rPr lang="zh-TW" altLang="en-US" sz="2800" spc="100" dirty="0"/>
+                <a:t>調整格子內的數值使得兩邊價值相等</a:t>
               </a:r>
               <a:r>
                 <a:rPr lang="zh-CN" altLang="en-US" sz="2800" spc="100" dirty="0">
@@ -7359,10 +7303,10 @@
         </p:sp>
         <p:sp>
           <p:nvSpPr>
-            <p:cNvPr id="28" name="矩形 27">
+            <p:cNvPr id="27" name="矩形 26">
               <a:extLst>
                 <a:ext uri="{FF2B5EF4-FFF2-40B4-BE49-F238E27FC236}">
-                  <a16:creationId xmlns:a16="http://schemas.microsoft.com/office/drawing/2014/main" id="{EE3AF718-89AC-414A-AEDE-DE707F5CC2D9}"/>
+                  <a16:creationId xmlns:a16="http://schemas.microsoft.com/office/drawing/2014/main" id="{BA736ECB-00E2-4733-A56E-0F0FCA79F643}"/>
                 </a:ext>
               </a:extLst>
             </p:cNvPr>
@@ -7880,10 +7824,10 @@
       </p:grpSp>
       <p:grpSp>
         <p:nvGrpSpPr>
-          <p:cNvPr id="23" name="群組 22">
+          <p:cNvPr id="25" name="群組 24">
             <a:extLst>
               <a:ext uri="{FF2B5EF4-FFF2-40B4-BE49-F238E27FC236}">
-                <a16:creationId xmlns:a16="http://schemas.microsoft.com/office/drawing/2014/main" id="{2414518C-FBCC-479F-8DD9-15508B56D1FB}"/>
+                <a16:creationId xmlns:a16="http://schemas.microsoft.com/office/drawing/2014/main" id="{B43F6575-F4E1-41C7-8AEB-770DAB891E04}"/>
               </a:ext>
             </a:extLst>
           </p:cNvPr>
@@ -7892,18 +7836,18 @@
         </p:nvGrpSpPr>
         <p:grpSpPr>
           <a:xfrm>
-            <a:off x="6883889" y="1471094"/>
-            <a:ext cx="3621551" cy="2216254"/>
-            <a:chOff x="6883889" y="1740577"/>
-            <a:chExt cx="3621551" cy="2216254"/>
+            <a:off x="6883888" y="1631234"/>
+            <a:ext cx="3621551" cy="2056114"/>
+            <a:chOff x="6883888" y="1900717"/>
+            <a:chExt cx="3621551" cy="2056114"/>
           </a:xfrm>
         </p:grpSpPr>
         <p:sp>
           <p:nvSpPr>
-            <p:cNvPr id="24" name="文字方塊 23">
+            <p:cNvPr id="26" name="文字方塊 25">
               <a:extLst>
                 <a:ext uri="{FF2B5EF4-FFF2-40B4-BE49-F238E27FC236}">
-                  <a16:creationId xmlns:a16="http://schemas.microsoft.com/office/drawing/2014/main" id="{D2A5B5A9-1CF1-4993-A5B6-4FB5123B0C1D}"/>
+                  <a16:creationId xmlns:a16="http://schemas.microsoft.com/office/drawing/2014/main" id="{04276AD4-F994-470D-BF54-0C44A5F2635F}"/>
                 </a:ext>
               </a:extLst>
             </p:cNvPr>
@@ -7912,8 +7856,8 @@
           </p:nvSpPr>
           <p:spPr>
             <a:xfrm>
-              <a:off x="6883889" y="1740577"/>
-              <a:ext cx="3621551" cy="1607107"/>
+              <a:off x="6883888" y="1900717"/>
+              <a:ext cx="3621551" cy="1090042"/>
             </a:xfrm>
             <a:prstGeom prst="rect">
               <a:avLst/>
@@ -7932,22 +7876,8 @@
                 </a:lnSpc>
               </a:pPr>
               <a:r>
-                <a:rPr lang="zh-CN" altLang="en-US" sz="2800" spc="100" dirty="0">
-                  <a:ea typeface="新細明體" panose="02020500000000000000" pitchFamily="18" charset="-120"/>
-                </a:rPr>
-                <a:t>調整格子内的數值使得它的價值相等於</a:t>
-              </a:r>
-              <a:r>
-                <a:rPr lang="zh-TW" altLang="en-US" sz="2800" spc="100" dirty="0">
-                  <a:ea typeface="新細明體" panose="02020500000000000000" pitchFamily="18" charset="-120"/>
-                </a:rPr>
-                <a:t>左邊的</a:t>
-              </a:r>
-              <a:r>
-                <a:rPr lang="en-US" altLang="zh-TW" sz="2800" spc="100" dirty="0">
-                  <a:ea typeface="新細明體" panose="02020500000000000000" pitchFamily="18" charset="-120"/>
-                </a:rPr>
-                <a:t>Lottery</a:t>
+                <a:rPr lang="zh-TW" altLang="en-US" sz="2800" spc="100" dirty="0"/>
+                <a:t>調整格子內的數值使得兩邊價值相等</a:t>
               </a:r>
               <a:r>
                 <a:rPr lang="zh-CN" altLang="en-US" sz="2800" spc="100" dirty="0">
@@ -7963,10 +7893,10 @@
         </p:sp>
         <p:sp>
           <p:nvSpPr>
-            <p:cNvPr id="28" name="矩形 27">
+            <p:cNvPr id="27" name="矩形 26">
               <a:extLst>
                 <a:ext uri="{FF2B5EF4-FFF2-40B4-BE49-F238E27FC236}">
-                  <a16:creationId xmlns:a16="http://schemas.microsoft.com/office/drawing/2014/main" id="{5EE9315E-2E8A-4F68-BEB5-D74BD9E821A5}"/>
+                  <a16:creationId xmlns:a16="http://schemas.microsoft.com/office/drawing/2014/main" id="{690FBEA2-C520-4061-A4A6-4A1C57F956AA}"/>
                 </a:ext>
               </a:extLst>
             </p:cNvPr>
@@ -8472,10 +8402,10 @@
       </p:grpSp>
       <p:grpSp>
         <p:nvGrpSpPr>
-          <p:cNvPr id="23" name="群組 22">
+          <p:cNvPr id="25" name="群組 24">
             <a:extLst>
               <a:ext uri="{FF2B5EF4-FFF2-40B4-BE49-F238E27FC236}">
-                <a16:creationId xmlns:a16="http://schemas.microsoft.com/office/drawing/2014/main" id="{83AF9025-B790-41D5-8407-BF8C16EB81A7}"/>
+                <a16:creationId xmlns:a16="http://schemas.microsoft.com/office/drawing/2014/main" id="{B9AA445A-9FAF-4F9C-B96D-9CC74AF64EEC}"/>
               </a:ext>
             </a:extLst>
           </p:cNvPr>
@@ -8484,18 +8414,18 @@
         </p:nvGrpSpPr>
         <p:grpSpPr>
           <a:xfrm>
-            <a:off x="6883889" y="1471094"/>
-            <a:ext cx="3621551" cy="2216254"/>
-            <a:chOff x="6883889" y="1740577"/>
-            <a:chExt cx="3621551" cy="2216254"/>
+            <a:off x="6883888" y="1631234"/>
+            <a:ext cx="3621551" cy="2056114"/>
+            <a:chOff x="6883888" y="1900717"/>
+            <a:chExt cx="3621551" cy="2056114"/>
           </a:xfrm>
         </p:grpSpPr>
         <p:sp>
           <p:nvSpPr>
-            <p:cNvPr id="24" name="文字方塊 23">
+            <p:cNvPr id="26" name="文字方塊 25">
               <a:extLst>
                 <a:ext uri="{FF2B5EF4-FFF2-40B4-BE49-F238E27FC236}">
-                  <a16:creationId xmlns:a16="http://schemas.microsoft.com/office/drawing/2014/main" id="{B42FEC34-C029-4D7F-9CD8-7EA31D53FD4B}"/>
+                  <a16:creationId xmlns:a16="http://schemas.microsoft.com/office/drawing/2014/main" id="{30012D49-166C-4D86-AE42-2F29CAF4FB55}"/>
                 </a:ext>
               </a:extLst>
             </p:cNvPr>
@@ -8504,8 +8434,8 @@
           </p:nvSpPr>
           <p:spPr>
             <a:xfrm>
-              <a:off x="6883889" y="1740577"/>
-              <a:ext cx="3621551" cy="1607107"/>
+              <a:off x="6883888" y="1900717"/>
+              <a:ext cx="3621551" cy="1090042"/>
             </a:xfrm>
             <a:prstGeom prst="rect">
               <a:avLst/>
@@ -8524,22 +8454,8 @@
                 </a:lnSpc>
               </a:pPr>
               <a:r>
-                <a:rPr lang="zh-CN" altLang="en-US" sz="2800" spc="100" dirty="0">
-                  <a:ea typeface="新細明體" panose="02020500000000000000" pitchFamily="18" charset="-120"/>
-                </a:rPr>
-                <a:t>調整格子内的數值使得它的價值相等於</a:t>
-              </a:r>
-              <a:r>
-                <a:rPr lang="zh-TW" altLang="en-US" sz="2800" spc="100" dirty="0">
-                  <a:ea typeface="新細明體" panose="02020500000000000000" pitchFamily="18" charset="-120"/>
-                </a:rPr>
-                <a:t>左邊的</a:t>
-              </a:r>
-              <a:r>
-                <a:rPr lang="en-US" altLang="zh-TW" sz="2800" spc="100" dirty="0">
-                  <a:ea typeface="新細明體" panose="02020500000000000000" pitchFamily="18" charset="-120"/>
-                </a:rPr>
-                <a:t>Lottery</a:t>
+                <a:rPr lang="zh-TW" altLang="en-US" sz="2800" spc="100" dirty="0"/>
+                <a:t>調整格子內的數值使得兩邊價值相等</a:t>
               </a:r>
               <a:r>
                 <a:rPr lang="zh-CN" altLang="en-US" sz="2800" spc="100" dirty="0">
@@ -8555,10 +8471,10 @@
         </p:sp>
         <p:sp>
           <p:nvSpPr>
-            <p:cNvPr id="28" name="矩形 27">
+            <p:cNvPr id="27" name="矩形 26">
               <a:extLst>
                 <a:ext uri="{FF2B5EF4-FFF2-40B4-BE49-F238E27FC236}">
-                  <a16:creationId xmlns:a16="http://schemas.microsoft.com/office/drawing/2014/main" id="{8A313EF1-531D-4F9E-997E-DCA4098BCEE9}"/>
+                  <a16:creationId xmlns:a16="http://schemas.microsoft.com/office/drawing/2014/main" id="{10A7F3DD-8EFE-43F1-BA11-39D93A35516B}"/>
                 </a:ext>
               </a:extLst>
             </p:cNvPr>
@@ -9064,10 +8980,10 @@
       </p:grpSp>
       <p:grpSp>
         <p:nvGrpSpPr>
-          <p:cNvPr id="23" name="群組 22">
+          <p:cNvPr id="25" name="群組 24">
             <a:extLst>
               <a:ext uri="{FF2B5EF4-FFF2-40B4-BE49-F238E27FC236}">
-                <a16:creationId xmlns:a16="http://schemas.microsoft.com/office/drawing/2014/main" id="{C0445061-6643-4CDB-9491-D1A3FD1A0DE3}"/>
+                <a16:creationId xmlns:a16="http://schemas.microsoft.com/office/drawing/2014/main" id="{81FF48EE-6B5D-4C96-A94B-064A5AE3D652}"/>
               </a:ext>
             </a:extLst>
           </p:cNvPr>
@@ -9076,18 +8992,18 @@
         </p:nvGrpSpPr>
         <p:grpSpPr>
           <a:xfrm>
-            <a:off x="6883889" y="1471094"/>
-            <a:ext cx="3621551" cy="2216254"/>
-            <a:chOff x="6883889" y="1740577"/>
-            <a:chExt cx="3621551" cy="2216254"/>
+            <a:off x="6883888" y="1631234"/>
+            <a:ext cx="3621551" cy="2056114"/>
+            <a:chOff x="6883888" y="1900717"/>
+            <a:chExt cx="3621551" cy="2056114"/>
           </a:xfrm>
         </p:grpSpPr>
         <p:sp>
           <p:nvSpPr>
-            <p:cNvPr id="24" name="文字方塊 23">
+            <p:cNvPr id="26" name="文字方塊 25">
               <a:extLst>
                 <a:ext uri="{FF2B5EF4-FFF2-40B4-BE49-F238E27FC236}">
-                  <a16:creationId xmlns:a16="http://schemas.microsoft.com/office/drawing/2014/main" id="{9F773A6B-B696-4587-B862-D3EFEF45993A}"/>
+                  <a16:creationId xmlns:a16="http://schemas.microsoft.com/office/drawing/2014/main" id="{28399234-40E0-49EE-A1BD-2C7ACB860A4D}"/>
                 </a:ext>
               </a:extLst>
             </p:cNvPr>
@@ -9096,8 +9012,8 @@
           </p:nvSpPr>
           <p:spPr>
             <a:xfrm>
-              <a:off x="6883889" y="1740577"/>
-              <a:ext cx="3621551" cy="1607107"/>
+              <a:off x="6883888" y="1900717"/>
+              <a:ext cx="3621551" cy="1090042"/>
             </a:xfrm>
             <a:prstGeom prst="rect">
               <a:avLst/>
@@ -9116,22 +9032,8 @@
                 </a:lnSpc>
               </a:pPr>
               <a:r>
-                <a:rPr lang="zh-CN" altLang="en-US" sz="2800" spc="100" dirty="0">
-                  <a:ea typeface="新細明體" panose="02020500000000000000" pitchFamily="18" charset="-120"/>
-                </a:rPr>
-                <a:t>調整格子内的數值使得它的價值相等於</a:t>
-              </a:r>
-              <a:r>
-                <a:rPr lang="zh-TW" altLang="en-US" sz="2800" spc="100" dirty="0">
-                  <a:ea typeface="新細明體" panose="02020500000000000000" pitchFamily="18" charset="-120"/>
-                </a:rPr>
-                <a:t>左邊的</a:t>
-              </a:r>
-              <a:r>
-                <a:rPr lang="en-US" altLang="zh-TW" sz="2800" spc="100" dirty="0">
-                  <a:ea typeface="新細明體" panose="02020500000000000000" pitchFamily="18" charset="-120"/>
-                </a:rPr>
-                <a:t>Lottery</a:t>
+                <a:rPr lang="zh-TW" altLang="en-US" sz="2800" spc="100" dirty="0"/>
+                <a:t>調整格子內的數值使得兩邊價值相等</a:t>
               </a:r>
               <a:r>
                 <a:rPr lang="zh-CN" altLang="en-US" sz="2800" spc="100" dirty="0">
@@ -9147,10 +9049,10 @@
         </p:sp>
         <p:sp>
           <p:nvSpPr>
-            <p:cNvPr id="28" name="矩形 27">
+            <p:cNvPr id="27" name="矩形 26">
               <a:extLst>
                 <a:ext uri="{FF2B5EF4-FFF2-40B4-BE49-F238E27FC236}">
-                  <a16:creationId xmlns:a16="http://schemas.microsoft.com/office/drawing/2014/main" id="{D785DB2E-5907-4D3D-B083-00E3BAA8119B}"/>
+                  <a16:creationId xmlns:a16="http://schemas.microsoft.com/office/drawing/2014/main" id="{7ADB887B-C166-4658-BCAD-F66A0FF30135}"/>
                 </a:ext>
               </a:extLst>
             </p:cNvPr>
@@ -9659,10 +9561,10 @@
       </p:grpSp>
       <p:grpSp>
         <p:nvGrpSpPr>
-          <p:cNvPr id="23" name="群組 22">
+          <p:cNvPr id="26" name="群組 25">
             <a:extLst>
               <a:ext uri="{FF2B5EF4-FFF2-40B4-BE49-F238E27FC236}">
-                <a16:creationId xmlns:a16="http://schemas.microsoft.com/office/drawing/2014/main" id="{E966D419-2B26-4FCB-AB7F-EFB8424DD461}"/>
+                <a16:creationId xmlns:a16="http://schemas.microsoft.com/office/drawing/2014/main" id="{B2D942B8-1EE4-4FDC-8E43-2DACF22FF62B}"/>
               </a:ext>
             </a:extLst>
           </p:cNvPr>
@@ -9671,18 +9573,18 @@
         </p:nvGrpSpPr>
         <p:grpSpPr>
           <a:xfrm>
-            <a:off x="6883889" y="1471094"/>
-            <a:ext cx="3621551" cy="2216254"/>
-            <a:chOff x="6883889" y="1740577"/>
-            <a:chExt cx="3621551" cy="2216254"/>
+            <a:off x="6883888" y="1631234"/>
+            <a:ext cx="3621551" cy="2056114"/>
+            <a:chOff x="6883888" y="1900717"/>
+            <a:chExt cx="3621551" cy="2056114"/>
           </a:xfrm>
         </p:grpSpPr>
         <p:sp>
           <p:nvSpPr>
-            <p:cNvPr id="24" name="文字方塊 23">
+            <p:cNvPr id="27" name="文字方塊 26">
               <a:extLst>
                 <a:ext uri="{FF2B5EF4-FFF2-40B4-BE49-F238E27FC236}">
-                  <a16:creationId xmlns:a16="http://schemas.microsoft.com/office/drawing/2014/main" id="{86560B0C-0E53-43A7-8F40-59924972080B}"/>
+                  <a16:creationId xmlns:a16="http://schemas.microsoft.com/office/drawing/2014/main" id="{78FC6F6B-E75D-446A-9C8B-0385EBFB3B50}"/>
                 </a:ext>
               </a:extLst>
             </p:cNvPr>
@@ -9691,8 +9593,8 @@
           </p:nvSpPr>
           <p:spPr>
             <a:xfrm>
-              <a:off x="6883889" y="1740577"/>
-              <a:ext cx="3621551" cy="1607107"/>
+              <a:off x="6883888" y="1900717"/>
+              <a:ext cx="3621551" cy="1090042"/>
             </a:xfrm>
             <a:prstGeom prst="rect">
               <a:avLst/>
@@ -9711,22 +9613,8 @@
                 </a:lnSpc>
               </a:pPr>
               <a:r>
-                <a:rPr lang="zh-CN" altLang="en-US" sz="2800" spc="100" dirty="0">
-                  <a:ea typeface="新細明體" panose="02020500000000000000" pitchFamily="18" charset="-120"/>
-                </a:rPr>
-                <a:t>調整格子内的數值使得它的價值相等於</a:t>
-              </a:r>
-              <a:r>
-                <a:rPr lang="zh-TW" altLang="en-US" sz="2800" spc="100" dirty="0">
-                  <a:ea typeface="新細明體" panose="02020500000000000000" pitchFamily="18" charset="-120"/>
-                </a:rPr>
-                <a:t>左邊的</a:t>
-              </a:r>
-              <a:r>
-                <a:rPr lang="en-US" altLang="zh-TW" sz="2800" spc="100" dirty="0">
-                  <a:ea typeface="新細明體" panose="02020500000000000000" pitchFamily="18" charset="-120"/>
-                </a:rPr>
-                <a:t>Lottery</a:t>
+                <a:rPr lang="zh-TW" altLang="en-US" sz="2800" spc="100" dirty="0"/>
+                <a:t>調整格子內的數值使得兩邊價值相等</a:t>
               </a:r>
               <a:r>
                 <a:rPr lang="zh-CN" altLang="en-US" sz="2800" spc="100" dirty="0">
@@ -9742,10 +9630,10 @@
         </p:sp>
         <p:sp>
           <p:nvSpPr>
-            <p:cNvPr id="25" name="矩形 24">
+            <p:cNvPr id="28" name="矩形 27">
               <a:extLst>
                 <a:ext uri="{FF2B5EF4-FFF2-40B4-BE49-F238E27FC236}">
-                  <a16:creationId xmlns:a16="http://schemas.microsoft.com/office/drawing/2014/main" id="{3ECA07AD-A12A-43FF-9BFC-C3E53443CAAA}"/>
+                  <a16:creationId xmlns:a16="http://schemas.microsoft.com/office/drawing/2014/main" id="{21EC8B51-3EC1-421D-83A9-477354C328F6}"/>
                 </a:ext>
               </a:extLst>
             </p:cNvPr>
@@ -10254,10 +10142,10 @@
       </p:grpSp>
       <p:grpSp>
         <p:nvGrpSpPr>
-          <p:cNvPr id="23" name="群組 22">
+          <p:cNvPr id="25" name="群組 24">
             <a:extLst>
               <a:ext uri="{FF2B5EF4-FFF2-40B4-BE49-F238E27FC236}">
-                <a16:creationId xmlns:a16="http://schemas.microsoft.com/office/drawing/2014/main" id="{7EB00C34-0996-4A35-8EF4-D4E650ED6319}"/>
+                <a16:creationId xmlns:a16="http://schemas.microsoft.com/office/drawing/2014/main" id="{E37493E5-40B6-4D38-992C-68CC2FDBC003}"/>
               </a:ext>
             </a:extLst>
           </p:cNvPr>
@@ -10266,18 +10154,18 @@
         </p:nvGrpSpPr>
         <p:grpSpPr>
           <a:xfrm>
-            <a:off x="6883889" y="1471094"/>
-            <a:ext cx="3621551" cy="2216254"/>
-            <a:chOff x="6883889" y="1740577"/>
-            <a:chExt cx="3621551" cy="2216254"/>
+            <a:off x="6883888" y="1631234"/>
+            <a:ext cx="3621551" cy="2056114"/>
+            <a:chOff x="6883888" y="1900717"/>
+            <a:chExt cx="3621551" cy="2056114"/>
           </a:xfrm>
         </p:grpSpPr>
         <p:sp>
           <p:nvSpPr>
-            <p:cNvPr id="24" name="文字方塊 23">
+            <p:cNvPr id="26" name="文字方塊 25">
               <a:extLst>
                 <a:ext uri="{FF2B5EF4-FFF2-40B4-BE49-F238E27FC236}">
-                  <a16:creationId xmlns:a16="http://schemas.microsoft.com/office/drawing/2014/main" id="{4EE738EA-1BA9-493F-BFCC-D901A81BF015}"/>
+                  <a16:creationId xmlns:a16="http://schemas.microsoft.com/office/drawing/2014/main" id="{674B681F-0322-4E21-84CB-91DB8322C08E}"/>
                 </a:ext>
               </a:extLst>
             </p:cNvPr>
@@ -10286,8 +10174,8 @@
           </p:nvSpPr>
           <p:spPr>
             <a:xfrm>
-              <a:off x="6883889" y="1740577"/>
-              <a:ext cx="3621551" cy="1607107"/>
+              <a:off x="6883888" y="1900717"/>
+              <a:ext cx="3621551" cy="1090042"/>
             </a:xfrm>
             <a:prstGeom prst="rect">
               <a:avLst/>
@@ -10306,22 +10194,8 @@
                 </a:lnSpc>
               </a:pPr>
               <a:r>
-                <a:rPr lang="zh-CN" altLang="en-US" sz="2800" spc="100" dirty="0">
-                  <a:ea typeface="新細明體" panose="02020500000000000000" pitchFamily="18" charset="-120"/>
-                </a:rPr>
-                <a:t>調整格子内的數值使得它的價值相等於</a:t>
-              </a:r>
-              <a:r>
-                <a:rPr lang="zh-TW" altLang="en-US" sz="2800" spc="100" dirty="0">
-                  <a:ea typeface="新細明體" panose="02020500000000000000" pitchFamily="18" charset="-120"/>
-                </a:rPr>
-                <a:t>左邊的</a:t>
-              </a:r>
-              <a:r>
-                <a:rPr lang="en-US" altLang="zh-TW" sz="2800" spc="100" dirty="0">
-                  <a:ea typeface="新細明體" panose="02020500000000000000" pitchFamily="18" charset="-120"/>
-                </a:rPr>
-                <a:t>Lottery</a:t>
+                <a:rPr lang="zh-TW" altLang="en-US" sz="2800" spc="100" dirty="0"/>
+                <a:t>調整格子內的數值使得兩邊價值相等</a:t>
               </a:r>
               <a:r>
                 <a:rPr lang="zh-CN" altLang="en-US" sz="2800" spc="100" dirty="0">
@@ -10337,10 +10211,10 @@
         </p:sp>
         <p:sp>
           <p:nvSpPr>
-            <p:cNvPr id="28" name="矩形 27">
+            <p:cNvPr id="27" name="矩形 26">
               <a:extLst>
                 <a:ext uri="{FF2B5EF4-FFF2-40B4-BE49-F238E27FC236}">
-                  <a16:creationId xmlns:a16="http://schemas.microsoft.com/office/drawing/2014/main" id="{BBF8270C-8553-48EA-9797-3BFF84157024}"/>
+                  <a16:creationId xmlns:a16="http://schemas.microsoft.com/office/drawing/2014/main" id="{0F0E0BBF-874F-40D0-B0D6-77D9FB690E8D}"/>
                 </a:ext>
               </a:extLst>
             </p:cNvPr>
@@ -10849,10 +10723,10 @@
       </p:grpSp>
       <p:grpSp>
         <p:nvGrpSpPr>
-          <p:cNvPr id="23" name="群組 22">
+          <p:cNvPr id="25" name="群組 24">
             <a:extLst>
               <a:ext uri="{FF2B5EF4-FFF2-40B4-BE49-F238E27FC236}">
-                <a16:creationId xmlns:a16="http://schemas.microsoft.com/office/drawing/2014/main" id="{45343570-C3D3-48EF-B70C-565357FFD1F3}"/>
+                <a16:creationId xmlns:a16="http://schemas.microsoft.com/office/drawing/2014/main" id="{7127CE76-0ABC-4A4C-A9B5-15A3A21D9171}"/>
               </a:ext>
             </a:extLst>
           </p:cNvPr>
@@ -10861,18 +10735,18 @@
         </p:nvGrpSpPr>
         <p:grpSpPr>
           <a:xfrm>
-            <a:off x="6883889" y="1471094"/>
-            <a:ext cx="3621551" cy="2216254"/>
-            <a:chOff x="6883889" y="1740577"/>
-            <a:chExt cx="3621551" cy="2216254"/>
+            <a:off x="6883888" y="1631234"/>
+            <a:ext cx="3621551" cy="2056114"/>
+            <a:chOff x="6883888" y="1900717"/>
+            <a:chExt cx="3621551" cy="2056114"/>
           </a:xfrm>
         </p:grpSpPr>
         <p:sp>
           <p:nvSpPr>
-            <p:cNvPr id="24" name="文字方塊 23">
+            <p:cNvPr id="26" name="文字方塊 25">
               <a:extLst>
                 <a:ext uri="{FF2B5EF4-FFF2-40B4-BE49-F238E27FC236}">
-                  <a16:creationId xmlns:a16="http://schemas.microsoft.com/office/drawing/2014/main" id="{AB8C64BA-05CB-4D47-8E98-AF8F15DF993F}"/>
+                  <a16:creationId xmlns:a16="http://schemas.microsoft.com/office/drawing/2014/main" id="{068A53D1-D8FB-4C6A-B5A0-AE86A3A78649}"/>
                 </a:ext>
               </a:extLst>
             </p:cNvPr>
@@ -10881,8 +10755,8 @@
           </p:nvSpPr>
           <p:spPr>
             <a:xfrm>
-              <a:off x="6883889" y="1740577"/>
-              <a:ext cx="3621551" cy="1607107"/>
+              <a:off x="6883888" y="1900717"/>
+              <a:ext cx="3621551" cy="1090042"/>
             </a:xfrm>
             <a:prstGeom prst="rect">
               <a:avLst/>
@@ -10901,22 +10775,8 @@
                 </a:lnSpc>
               </a:pPr>
               <a:r>
-                <a:rPr lang="zh-CN" altLang="en-US" sz="2800" spc="100" dirty="0">
-                  <a:ea typeface="新細明體" panose="02020500000000000000" pitchFamily="18" charset="-120"/>
-                </a:rPr>
-                <a:t>調整格子内的數值使得它的價值相等於</a:t>
-              </a:r>
-              <a:r>
-                <a:rPr lang="zh-TW" altLang="en-US" sz="2800" spc="100" dirty="0">
-                  <a:ea typeface="新細明體" panose="02020500000000000000" pitchFamily="18" charset="-120"/>
-                </a:rPr>
-                <a:t>左邊的</a:t>
-              </a:r>
-              <a:r>
-                <a:rPr lang="en-US" altLang="zh-TW" sz="2800" spc="100" dirty="0">
-                  <a:ea typeface="新細明體" panose="02020500000000000000" pitchFamily="18" charset="-120"/>
-                </a:rPr>
-                <a:t>Lottery</a:t>
+                <a:rPr lang="zh-TW" altLang="en-US" sz="2800" spc="100" dirty="0"/>
+                <a:t>調整格子內的數值使得兩邊價值相等</a:t>
               </a:r>
               <a:r>
                 <a:rPr lang="zh-CN" altLang="en-US" sz="2800" spc="100" dirty="0">
@@ -10932,10 +10792,10 @@
         </p:sp>
         <p:sp>
           <p:nvSpPr>
-            <p:cNvPr id="28" name="矩形 27">
+            <p:cNvPr id="27" name="矩形 26">
               <a:extLst>
                 <a:ext uri="{FF2B5EF4-FFF2-40B4-BE49-F238E27FC236}">
-                  <a16:creationId xmlns:a16="http://schemas.microsoft.com/office/drawing/2014/main" id="{78888937-3B9E-4DAA-9B55-60ED24C1E125}"/>
+                  <a16:creationId xmlns:a16="http://schemas.microsoft.com/office/drawing/2014/main" id="{5A71F962-0126-4CD2-820A-9E690868F4B5}"/>
                 </a:ext>
               </a:extLst>
             </p:cNvPr>
